--- a/Final/Presentation_Joao_Mauro.pptx
+++ b/Final/Presentation_Joao_Mauro.pptx
@@ -12105,25 +12105,6 @@
       </p:grpSpPr>
       <p:sp>
         <p:nvSpPr>
-          <p:cNvPr id="7" name="Text Placeholder 6"/>
-          <p:cNvSpPr>
-            <a:spLocks noGrp="1"/>
-          </p:cNvSpPr>
-          <p:nvPr>
-            <p:ph type="body" sz="quarter" idx="13"/>
-          </p:nvPr>
-        </p:nvSpPr>
-        <p:spPr/>
-        <p:txBody>
-          <a:bodyPr/>
-          <a:lstStyle/>
-          <a:p>
-            <a:endParaRPr lang="en-US" dirty="0"/>
-          </a:p>
-        </p:txBody>
-      </p:sp>
-      <p:sp>
-        <p:nvSpPr>
           <p:cNvPr id="4" name="Date Placeholder 3"/>
           <p:cNvSpPr>
             <a:spLocks noGrp="1"/>
@@ -12596,19 +12577,7 @@
           <a:p>
             <a:r>
               <a:rPr lang="en-US" b="1" dirty="0"/>
-              <a:t>Auto </a:t>
-            </a:r>
-            <a:r>
-              <a:rPr lang="en-US" b="1" dirty="0"/>
-              <a:t>supports </a:t>
-            </a:r>
-            <a:r>
-              <a:rPr lang="en-US" b="1" dirty="0"/>
-              <a:t>two types of </a:t>
-            </a:r>
-            <a:r>
-              <a:rPr lang="en-US" b="1" dirty="0"/>
-              <a:t>apps</a:t>
+              <a:t>Auto supports two types of apps</a:t>
             </a:r>
           </a:p>
           <a:p>
@@ -12631,15 +12600,7 @@
             </a:r>
             <a:r>
               <a:rPr lang="en-US" dirty="0"/>
-              <a:t> </a:t>
-            </a:r>
-            <a:r>
-              <a:rPr lang="en-US" dirty="0"/>
-              <a:t>- allow </a:t>
-            </a:r>
-            <a:r>
-              <a:rPr lang="en-US" dirty="0"/>
-              <a:t>users to </a:t>
+              <a:t> - allow users to </a:t>
             </a:r>
             <a:r>
               <a:rPr lang="en-US" b="1" dirty="0"/>
@@ -12655,11 +12616,7 @@
             </a:r>
             <a:r>
               <a:rPr lang="en-US" dirty="0"/>
-              <a:t>and spoken </a:t>
-            </a:r>
-            <a:r>
-              <a:rPr lang="en-US" dirty="0"/>
-              <a:t>audio.</a:t>
+              <a:t>and spoken audio.</a:t>
             </a:r>
           </a:p>
           <a:p>
@@ -12698,11 +12655,7 @@
             </a:r>
             <a:r>
               <a:rPr lang="en-US" dirty="0"/>
-              <a:t>- receive </a:t>
-            </a:r>
-            <a:r>
-              <a:rPr lang="en-US" dirty="0"/>
-              <a:t>incoming </a:t>
+              <a:t>- receive incoming </a:t>
             </a:r>
             <a:r>
               <a:rPr lang="en-US" b="1" dirty="0"/>
@@ -12710,15 +12663,7 @@
             </a:r>
             <a:r>
               <a:rPr lang="en-US" dirty="0"/>
-              <a:t>, read </a:t>
-            </a:r>
-            <a:r>
-              <a:rPr lang="en-US" dirty="0"/>
-              <a:t>message </a:t>
-            </a:r>
-            <a:r>
-              <a:rPr lang="en-US" dirty="0"/>
-              <a:t>via </a:t>
+              <a:t>, read message via </a:t>
             </a:r>
             <a:r>
               <a:rPr lang="en-US" b="1" dirty="0"/>
@@ -12730,11 +12675,7 @@
             </a:r>
             <a:r>
               <a:rPr lang="en-US" b="1" dirty="0"/>
-              <a:t>voice </a:t>
-            </a:r>
-            <a:r>
-              <a:rPr lang="en-US" b="1" dirty="0"/>
-              <a:t>input</a:t>
+              <a:t>voice input</a:t>
             </a:r>
             <a:r>
               <a:rPr lang="en-US" dirty="0"/>
@@ -14751,7 +14692,6 @@
               <a:rPr lang="en-GB" dirty="0" smtClean="0"/>
               <a:t>Functionality</a:t>
             </a:r>
-            <a:endParaRPr lang="en-GB" dirty="0" smtClean="0"/>
           </a:p>
         </p:txBody>
       </p:sp>
@@ -14828,7 +14768,6 @@
               <a:rPr lang="fr-FR" dirty="0" smtClean="0"/>
               <a:t>Visual Design</a:t>
             </a:r>
-            <a:endParaRPr lang="fr-FR" dirty="0" smtClean="0"/>
           </a:p>
         </p:txBody>
       </p:sp>
@@ -14896,7 +14835,7 @@
           <a:p>
             <a:r>
               <a:rPr lang="en-US" noProof="0" dirty="0" smtClean="0"/>
-              <a:t>Presentation title</a:t>
+              <a:t>Android Auto</a:t>
             </a:r>
             <a:endParaRPr lang="fr-FR" noProof="0" dirty="0"/>
           </a:p>
@@ -15853,8 +15792,8 @@
           <a:lstStyle/>
           <a:p>
             <a:r>
-              <a:rPr lang="en-US" noProof="0" smtClean="0"/>
-              <a:t>Presentation title</a:t>
+              <a:rPr lang="en-US" noProof="0" dirty="0" smtClean="0"/>
+              <a:t>Android Auto</a:t>
             </a:r>
             <a:endParaRPr lang="en-US" noProof="0" dirty="0"/>
           </a:p>
@@ -16184,8 +16123,8 @@
           <a:lstStyle/>
           <a:p>
             <a:r>
-              <a:rPr lang="en-US" smtClean="0"/>
-              <a:t>Presentation title</a:t>
+              <a:rPr lang="en-US" dirty="0" smtClean="0"/>
+              <a:t>Android Auto</a:t>
             </a:r>
             <a:endParaRPr lang="fr-FR" dirty="0"/>
           </a:p>
@@ -16253,290 +16192,188 @@
           <a:lstStyle/>
           <a:p>
             <a:r>
+              <a:rPr lang="fr-FR" dirty="0" err="1" smtClean="0"/>
+              <a:t>Overview</a:t>
+            </a:r>
+            <a:r>
+              <a:rPr lang="fr-FR" dirty="0" smtClean="0"/>
+              <a:t> - </a:t>
+            </a:r>
+            <a:r>
+              <a:rPr lang="fr-FR" dirty="0"/>
+              <a:t>Android Auto</a:t>
+            </a:r>
+            <a:endParaRPr lang="fr-FR" dirty="0"/>
+          </a:p>
+        </p:txBody>
+      </p:sp>
+      <p:sp>
+        <p:nvSpPr>
+          <p:cNvPr id="43" name="Espace réservé du texte 42"/>
+          <p:cNvSpPr>
+            <a:spLocks noGrp="1"/>
+          </p:cNvSpPr>
+          <p:nvPr>
+            <p:ph type="body" sz="quarter" idx="15"/>
+          </p:nvPr>
+        </p:nvSpPr>
+        <p:spPr/>
+        <p:txBody>
+          <a:bodyPr/>
+          <a:lstStyle/>
+          <a:p>
+            <a:r>
+              <a:rPr lang="fr-FR" smtClean="0"/>
+              <a:t>2</a:t>
+            </a:r>
+            <a:endParaRPr lang="fr-FR" dirty="0"/>
+          </a:p>
+        </p:txBody>
+      </p:sp>
+      <p:sp>
+        <p:nvSpPr>
+          <p:cNvPr id="64" name="Espace réservé du texte 63"/>
+          <p:cNvSpPr>
+            <a:spLocks noGrp="1"/>
+          </p:cNvSpPr>
+          <p:nvPr>
+            <p:ph type="body" sz="quarter" idx="16"/>
+          </p:nvPr>
+        </p:nvSpPr>
+        <p:spPr/>
+        <p:txBody>
+          <a:bodyPr/>
+          <a:lstStyle/>
+          <a:p>
+            <a:r>
+              <a:rPr lang="fr-FR" dirty="0"/>
+              <a:t>How </a:t>
+            </a:r>
+            <a:r>
               <a:rPr lang="fr-FR" dirty="0" err="1"/>
-              <a:t>Debiscium</a:t>
-            </a:r>
-            <a:r>
-              <a:rPr lang="fr-FR" dirty="0"/>
-              <a:t> ut </a:t>
-            </a:r>
-            <a:r>
-              <a:rPr lang="fr-FR" dirty="0" err="1"/>
-              <a:t>ditio</a:t>
+              <a:t>it</a:t>
             </a:r>
             <a:r>
               <a:rPr lang="fr-FR" dirty="0"/>
               <a:t> </a:t>
             </a:r>
             <a:r>
-              <a:rPr lang="fr-FR" dirty="0" err="1" smtClean="0"/>
-              <a:t>mintibus</a:t>
-            </a:r>
-            <a:r>
-              <a:rPr lang="fr-FR" dirty="0" smtClean="0"/>
-              <a:t/>
-            </a:r>
-            <a:br>
-              <a:rPr lang="fr-FR" dirty="0" smtClean="0"/>
-            </a:br>
-            <a:r>
-              <a:rPr lang="fr-FR" dirty="0" err="1" smtClean="0"/>
-              <a:t>serem</a:t>
+              <a:rPr lang="fr-FR" dirty="0" err="1"/>
+              <a:t>works</a:t>
+            </a:r>
+            <a:r>
+              <a:rPr lang="fr-FR" dirty="0"/>
+              <a:t>?</a:t>
+            </a:r>
+            <a:endParaRPr lang="fr-FR" dirty="0"/>
+          </a:p>
+        </p:txBody>
+      </p:sp>
+      <p:sp>
+        <p:nvSpPr>
+          <p:cNvPr id="45" name="Espace réservé du texte 44"/>
+          <p:cNvSpPr>
+            <a:spLocks noGrp="1"/>
+          </p:cNvSpPr>
+          <p:nvPr>
+            <p:ph type="body" sz="quarter" idx="17"/>
+          </p:nvPr>
+        </p:nvSpPr>
+        <p:spPr/>
+        <p:txBody>
+          <a:bodyPr/>
+          <a:lstStyle/>
+          <a:p>
+            <a:r>
+              <a:rPr lang="fr-FR" smtClean="0"/>
+              <a:t>3</a:t>
+            </a:r>
+            <a:endParaRPr lang="fr-FR" dirty="0"/>
+          </a:p>
+        </p:txBody>
+      </p:sp>
+      <p:sp>
+        <p:nvSpPr>
+          <p:cNvPr id="65" name="Espace réservé du texte 64"/>
+          <p:cNvSpPr>
+            <a:spLocks noGrp="1"/>
+          </p:cNvSpPr>
+          <p:nvPr>
+            <p:ph type="body" sz="quarter" idx="18"/>
+          </p:nvPr>
+        </p:nvSpPr>
+        <p:spPr/>
+        <p:txBody>
+          <a:bodyPr/>
+          <a:lstStyle/>
+          <a:p>
+            <a:r>
+              <a:rPr lang="en-GB" dirty="0"/>
+              <a:t>Building Apps for Auto</a:t>
+            </a:r>
+          </a:p>
+          <a:p>
+            <a:endParaRPr lang="fr-FR" dirty="0"/>
+          </a:p>
+        </p:txBody>
+      </p:sp>
+      <p:sp>
+        <p:nvSpPr>
+          <p:cNvPr id="47" name="Espace réservé du texte 46"/>
+          <p:cNvSpPr>
+            <a:spLocks noGrp="1"/>
+          </p:cNvSpPr>
+          <p:nvPr>
+            <p:ph type="body" sz="quarter" idx="19"/>
+          </p:nvPr>
+        </p:nvSpPr>
+        <p:spPr/>
+        <p:txBody>
+          <a:bodyPr/>
+          <a:lstStyle/>
+          <a:p>
+            <a:r>
+              <a:rPr lang="fr-FR" smtClean="0"/>
+              <a:t>4</a:t>
+            </a:r>
+            <a:endParaRPr lang="fr-FR" dirty="0"/>
+          </a:p>
+        </p:txBody>
+      </p:sp>
+      <p:sp>
+        <p:nvSpPr>
+          <p:cNvPr id="66" name="Espace réservé du texte 65"/>
+          <p:cNvSpPr>
+            <a:spLocks noGrp="1"/>
+          </p:cNvSpPr>
+          <p:nvPr>
+            <p:ph type="body" sz="quarter" idx="20"/>
+          </p:nvPr>
+        </p:nvSpPr>
+        <p:spPr/>
+        <p:txBody>
+          <a:bodyPr/>
+          <a:lstStyle/>
+          <a:p>
+            <a:r>
+              <a:rPr lang="fr-FR" dirty="0"/>
+              <a:t>Compatible </a:t>
+            </a:r>
+            <a:r>
+              <a:rPr lang="en-GB" dirty="0" smtClean="0"/>
+              <a:t>with</a:t>
             </a:r>
             <a:r>
               <a:rPr lang="fr-FR" dirty="0" smtClean="0"/>
               <a:t> </a:t>
             </a:r>
             <a:r>
-              <a:rPr lang="fr-FR" dirty="0" err="1"/>
-              <a:t>harciis</a:t>
-            </a:r>
-            <a:r>
               <a:rPr lang="fr-FR" dirty="0"/>
-              <a:t> </a:t>
-            </a:r>
-            <a:r>
-              <a:rPr lang="fr-FR" dirty="0" err="1"/>
-              <a:t>dolorero</a:t>
-            </a:r>
-            <a:endParaRPr lang="fr-FR" dirty="0"/>
-          </a:p>
-        </p:txBody>
-      </p:sp>
-      <p:sp>
-        <p:nvSpPr>
-          <p:cNvPr id="43" name="Espace réservé du texte 42"/>
-          <p:cNvSpPr>
-            <a:spLocks noGrp="1"/>
-          </p:cNvSpPr>
-          <p:nvPr>
-            <p:ph type="body" sz="quarter" idx="15"/>
-          </p:nvPr>
-        </p:nvSpPr>
-        <p:spPr/>
-        <p:txBody>
-          <a:bodyPr/>
-          <a:lstStyle/>
-          <a:p>
-            <a:r>
-              <a:rPr lang="fr-FR" smtClean="0"/>
-              <a:t>2</a:t>
-            </a:r>
-            <a:endParaRPr lang="fr-FR" dirty="0"/>
-          </a:p>
-        </p:txBody>
-      </p:sp>
-      <p:sp>
-        <p:nvSpPr>
-          <p:cNvPr id="64" name="Espace réservé du texte 63"/>
-          <p:cNvSpPr>
-            <a:spLocks noGrp="1"/>
-          </p:cNvSpPr>
-          <p:nvPr>
-            <p:ph type="body" sz="quarter" idx="16"/>
-          </p:nvPr>
-        </p:nvSpPr>
-        <p:spPr/>
-        <p:txBody>
-          <a:bodyPr/>
-          <a:lstStyle/>
-          <a:p>
-            <a:r>
-              <a:rPr lang="it-IT" dirty="0"/>
-              <a:t>Si aborem eumque </a:t>
-            </a:r>
-            <a:r>
-              <a:rPr lang="it-IT" dirty="0" smtClean="0"/>
-              <a:t>sam</a:t>
-            </a:r>
-            <a:br>
-              <a:rPr lang="it-IT" dirty="0" smtClean="0"/>
-            </a:br>
-            <a:r>
-              <a:rPr lang="it-IT" dirty="0" smtClean="0"/>
-              <a:t>harchillis </a:t>
-            </a:r>
-            <a:r>
-              <a:rPr lang="it-IT" dirty="0"/>
-              <a:t>abore dolora</a:t>
-            </a:r>
-            <a:endParaRPr lang="fr-FR" dirty="0"/>
-          </a:p>
-        </p:txBody>
-      </p:sp>
-      <p:sp>
-        <p:nvSpPr>
-          <p:cNvPr id="45" name="Espace réservé du texte 44"/>
-          <p:cNvSpPr>
-            <a:spLocks noGrp="1"/>
-          </p:cNvSpPr>
-          <p:nvPr>
-            <p:ph type="body" sz="quarter" idx="17"/>
-          </p:nvPr>
-        </p:nvSpPr>
-        <p:spPr/>
-        <p:txBody>
-          <a:bodyPr/>
-          <a:lstStyle/>
-          <a:p>
-            <a:r>
-              <a:rPr lang="fr-FR" smtClean="0"/>
-              <a:t>3</a:t>
-            </a:r>
-            <a:endParaRPr lang="fr-FR" dirty="0"/>
-          </a:p>
-        </p:txBody>
-      </p:sp>
-      <p:sp>
-        <p:nvSpPr>
-          <p:cNvPr id="65" name="Espace réservé du texte 64"/>
-          <p:cNvSpPr>
-            <a:spLocks noGrp="1"/>
-          </p:cNvSpPr>
-          <p:nvPr>
-            <p:ph type="body" sz="quarter" idx="18"/>
-          </p:nvPr>
-        </p:nvSpPr>
-        <p:spPr/>
-        <p:txBody>
-          <a:bodyPr/>
-          <a:lstStyle/>
-          <a:p>
-            <a:r>
-              <a:rPr lang="fr-FR" dirty="0" err="1"/>
-              <a:t>Idus</a:t>
-            </a:r>
-            <a:r>
-              <a:rPr lang="fr-FR" dirty="0"/>
-              <a:t> non </a:t>
-            </a:r>
-            <a:r>
-              <a:rPr lang="fr-FR" dirty="0" err="1"/>
-              <a:t>core</a:t>
-            </a:r>
-            <a:r>
-              <a:rPr lang="fr-FR" dirty="0"/>
-              <a:t> </a:t>
-            </a:r>
-            <a:r>
-              <a:rPr lang="fr-FR" dirty="0" err="1" smtClean="0"/>
-              <a:t>amendunt</a:t>
+              <a:t>Android </a:t>
             </a:r>
             <a:r>
               <a:rPr lang="fr-FR" dirty="0" smtClean="0"/>
-              <a:t/>
-            </a:r>
-            <a:br>
-              <a:rPr lang="fr-FR" dirty="0" smtClean="0"/>
-            </a:br>
-            <a:r>
-              <a:rPr lang="fr-FR" dirty="0" smtClean="0"/>
-              <a:t>es </a:t>
-            </a:r>
-            <a:r>
-              <a:rPr lang="fr-FR" dirty="0" err="1"/>
-              <a:t>explistiam</a:t>
-            </a:r>
-            <a:r>
-              <a:rPr lang="fr-FR" dirty="0"/>
-              <a:t> </a:t>
-            </a:r>
-            <a:r>
-              <a:rPr lang="fr-FR" dirty="0" err="1"/>
-              <a:t>vellabo</a:t>
-            </a:r>
-            <a:endParaRPr lang="fr-FR" dirty="0"/>
-          </a:p>
-        </p:txBody>
-      </p:sp>
-      <p:sp>
-        <p:nvSpPr>
-          <p:cNvPr id="47" name="Espace réservé du texte 46"/>
-          <p:cNvSpPr>
-            <a:spLocks noGrp="1"/>
-          </p:cNvSpPr>
-          <p:nvPr>
-            <p:ph type="body" sz="quarter" idx="19"/>
-          </p:nvPr>
-        </p:nvSpPr>
-        <p:spPr/>
-        <p:txBody>
-          <a:bodyPr/>
-          <a:lstStyle/>
-          <a:p>
-            <a:r>
-              <a:rPr lang="fr-FR" smtClean="0"/>
-              <a:t>4</a:t>
-            </a:r>
-            <a:endParaRPr lang="fr-FR" dirty="0"/>
-          </a:p>
-        </p:txBody>
-      </p:sp>
-      <p:sp>
-        <p:nvSpPr>
-          <p:cNvPr id="66" name="Espace réservé du texte 65"/>
-          <p:cNvSpPr>
-            <a:spLocks noGrp="1"/>
-          </p:cNvSpPr>
-          <p:nvPr>
-            <p:ph type="body" sz="quarter" idx="20"/>
-          </p:nvPr>
-        </p:nvSpPr>
-        <p:spPr/>
-        <p:txBody>
-          <a:bodyPr/>
-          <a:lstStyle/>
-          <a:p>
-            <a:r>
-              <a:rPr lang="fr-FR" dirty="0" err="1" smtClean="0"/>
-              <a:t>Debiscium</a:t>
-            </a:r>
-            <a:r>
-              <a:rPr lang="fr-FR" dirty="0" smtClean="0"/>
-              <a:t> </a:t>
-            </a:r>
-            <a:r>
-              <a:rPr lang="fr-FR" dirty="0"/>
-              <a:t>ut </a:t>
-            </a:r>
-            <a:r>
-              <a:rPr lang="fr-FR" dirty="0" err="1"/>
-              <a:t>ditio</a:t>
-            </a:r>
-            <a:r>
-              <a:rPr lang="fr-FR" dirty="0"/>
-              <a:t> </a:t>
-            </a:r>
-            <a:r>
-              <a:rPr lang="fr-FR" dirty="0" err="1" smtClean="0"/>
-              <a:t>mintibus</a:t>
-            </a:r>
-            <a:r>
-              <a:rPr lang="fr-FR" dirty="0" smtClean="0"/>
-              <a:t/>
-            </a:r>
-            <a:br>
-              <a:rPr lang="fr-FR" dirty="0" smtClean="0"/>
-            </a:br>
-            <a:r>
-              <a:rPr lang="fr-FR" dirty="0" err="1" smtClean="0"/>
-              <a:t>serem</a:t>
-            </a:r>
-            <a:r>
-              <a:rPr lang="fr-FR" dirty="0" smtClean="0"/>
-              <a:t> </a:t>
-            </a:r>
-            <a:r>
-              <a:rPr lang="fr-FR" dirty="0" err="1"/>
-              <a:t>harciis</a:t>
-            </a:r>
-            <a:r>
-              <a:rPr lang="fr-FR" dirty="0"/>
-              <a:t> </a:t>
-            </a:r>
-            <a:r>
-              <a:rPr lang="fr-FR" dirty="0" err="1"/>
-              <a:t>dolorero</a:t>
+              <a:t>Auto</a:t>
             </a:r>
             <a:endParaRPr lang="fr-FR" dirty="0"/>
           </a:p>
@@ -16581,335 +16418,8 @@
           <a:lstStyle/>
           <a:p>
             <a:r>
-              <a:rPr lang="it-IT" dirty="0"/>
-              <a:t>Si aborem eumque </a:t>
-            </a:r>
-            <a:r>
-              <a:rPr lang="it-IT" dirty="0" smtClean="0"/>
-              <a:t>sam</a:t>
-            </a:r>
-            <a:br>
-              <a:rPr lang="it-IT" dirty="0" smtClean="0"/>
-            </a:br>
-            <a:r>
-              <a:rPr lang="it-IT" dirty="0" smtClean="0"/>
-              <a:t>harchillis </a:t>
-            </a:r>
-            <a:r>
-              <a:rPr lang="it-IT" dirty="0"/>
-              <a:t>abore dolora</a:t>
-            </a:r>
-            <a:endParaRPr lang="fr-FR" dirty="0"/>
-          </a:p>
-        </p:txBody>
-      </p:sp>
-      <p:sp>
-        <p:nvSpPr>
-          <p:cNvPr id="51" name="Espace réservé du texte 50"/>
-          <p:cNvSpPr>
-            <a:spLocks noGrp="1"/>
-          </p:cNvSpPr>
-          <p:nvPr>
-            <p:ph type="body" sz="quarter" idx="23"/>
-          </p:nvPr>
-        </p:nvSpPr>
-        <p:spPr/>
-        <p:txBody>
-          <a:bodyPr/>
-          <a:lstStyle/>
-          <a:p>
-            <a:r>
-              <a:rPr lang="fr-FR" smtClean="0"/>
-              <a:t>6</a:t>
-            </a:r>
-            <a:endParaRPr lang="fr-FR" dirty="0"/>
-          </a:p>
-        </p:txBody>
-      </p:sp>
-      <p:sp>
-        <p:nvSpPr>
-          <p:cNvPr id="68" name="Espace réservé du texte 67"/>
-          <p:cNvSpPr>
-            <a:spLocks noGrp="1"/>
-          </p:cNvSpPr>
-          <p:nvPr>
-            <p:ph type="body" sz="quarter" idx="24"/>
-          </p:nvPr>
-        </p:nvSpPr>
-        <p:spPr/>
-        <p:txBody>
-          <a:bodyPr/>
-          <a:lstStyle/>
-          <a:p>
-            <a:r>
-              <a:rPr lang="fr-FR" dirty="0" err="1"/>
-              <a:t>Idus</a:t>
-            </a:r>
-            <a:r>
               <a:rPr lang="fr-FR" dirty="0"/>
-              <a:t> non </a:t>
-            </a:r>
-            <a:r>
-              <a:rPr lang="fr-FR" dirty="0" err="1"/>
-              <a:t>core</a:t>
-            </a:r>
-            <a:r>
-              <a:rPr lang="fr-FR" dirty="0"/>
-              <a:t> </a:t>
-            </a:r>
-            <a:r>
-              <a:rPr lang="fr-FR" dirty="0" err="1"/>
-              <a:t>amendunt</a:t>
-            </a:r>
-            <a:r>
-              <a:rPr lang="fr-FR" dirty="0"/>
-              <a:t/>
-            </a:r>
-            <a:br>
-              <a:rPr lang="fr-FR" dirty="0"/>
-            </a:br>
-            <a:r>
-              <a:rPr lang="fr-FR" dirty="0"/>
-              <a:t>es </a:t>
-            </a:r>
-            <a:r>
-              <a:rPr lang="fr-FR" dirty="0" err="1"/>
-              <a:t>explistiam</a:t>
-            </a:r>
-            <a:r>
-              <a:rPr lang="fr-FR" dirty="0"/>
-              <a:t> </a:t>
-            </a:r>
-            <a:r>
-              <a:rPr lang="fr-FR" dirty="0" err="1"/>
-              <a:t>vellabo</a:t>
-            </a:r>
-            <a:endParaRPr lang="fr-FR" dirty="0"/>
-          </a:p>
-        </p:txBody>
-      </p:sp>
-      <p:sp>
-        <p:nvSpPr>
-          <p:cNvPr id="69" name="Espace réservé du texte 68"/>
-          <p:cNvSpPr>
-            <a:spLocks noGrp="1"/>
-          </p:cNvSpPr>
-          <p:nvPr>
-            <p:ph type="body" sz="quarter" idx="25"/>
-          </p:nvPr>
-        </p:nvSpPr>
-        <p:spPr/>
-        <p:txBody>
-          <a:bodyPr/>
-          <a:lstStyle/>
-          <a:p>
-            <a:r>
-              <a:rPr lang="fr-FR" dirty="0" smtClean="0"/>
-              <a:t>7</a:t>
-            </a:r>
-            <a:endParaRPr lang="fr-FR" dirty="0"/>
-          </a:p>
-        </p:txBody>
-      </p:sp>
-      <p:sp>
-        <p:nvSpPr>
-          <p:cNvPr id="70" name="Espace réservé du texte 69"/>
-          <p:cNvSpPr>
-            <a:spLocks noGrp="1"/>
-          </p:cNvSpPr>
-          <p:nvPr>
-            <p:ph type="body" sz="quarter" idx="26"/>
-          </p:nvPr>
-        </p:nvSpPr>
-        <p:spPr/>
-        <p:txBody>
-          <a:bodyPr/>
-          <a:lstStyle/>
-          <a:p>
-            <a:r>
-              <a:rPr lang="fr-FR" dirty="0" err="1"/>
-              <a:t>Debiscium</a:t>
-            </a:r>
-            <a:r>
-              <a:rPr lang="fr-FR" dirty="0"/>
-              <a:t> ut </a:t>
-            </a:r>
-            <a:r>
-              <a:rPr lang="fr-FR" dirty="0" err="1"/>
-              <a:t>ditio</a:t>
-            </a:r>
-            <a:r>
-              <a:rPr lang="fr-FR" dirty="0"/>
-              <a:t> </a:t>
-            </a:r>
-            <a:r>
-              <a:rPr lang="fr-FR" dirty="0" err="1"/>
-              <a:t>mintibus</a:t>
-            </a:r>
-            <a:r>
-              <a:rPr lang="fr-FR" dirty="0"/>
-              <a:t/>
-            </a:r>
-            <a:br>
-              <a:rPr lang="fr-FR" dirty="0"/>
-            </a:br>
-            <a:r>
-              <a:rPr lang="fr-FR" dirty="0" err="1"/>
-              <a:t>serem</a:t>
-            </a:r>
-            <a:r>
-              <a:rPr lang="fr-FR" dirty="0"/>
-              <a:t> </a:t>
-            </a:r>
-            <a:r>
-              <a:rPr lang="fr-FR" dirty="0" err="1"/>
-              <a:t>harciis</a:t>
-            </a:r>
-            <a:r>
-              <a:rPr lang="fr-FR" dirty="0"/>
-              <a:t> </a:t>
-            </a:r>
-            <a:r>
-              <a:rPr lang="fr-FR" dirty="0" err="1"/>
-              <a:t>dolorero</a:t>
-            </a:r>
-            <a:endParaRPr lang="fr-FR" dirty="0"/>
-          </a:p>
-        </p:txBody>
-      </p:sp>
-      <p:sp>
-        <p:nvSpPr>
-          <p:cNvPr id="71" name="Espace réservé du texte 70"/>
-          <p:cNvSpPr>
-            <a:spLocks noGrp="1"/>
-          </p:cNvSpPr>
-          <p:nvPr>
-            <p:ph type="body" sz="quarter" idx="27"/>
-          </p:nvPr>
-        </p:nvSpPr>
-        <p:spPr/>
-        <p:txBody>
-          <a:bodyPr/>
-          <a:lstStyle/>
-          <a:p>
-            <a:r>
-              <a:rPr lang="fr-FR" dirty="0" smtClean="0"/>
-              <a:t>8</a:t>
-            </a:r>
-            <a:endParaRPr lang="fr-FR" dirty="0"/>
-          </a:p>
-        </p:txBody>
-      </p:sp>
-      <p:sp>
-        <p:nvSpPr>
-          <p:cNvPr id="72" name="Espace réservé du texte 71"/>
-          <p:cNvSpPr>
-            <a:spLocks noGrp="1"/>
-          </p:cNvSpPr>
-          <p:nvPr>
-            <p:ph type="body" sz="quarter" idx="28"/>
-          </p:nvPr>
-        </p:nvSpPr>
-        <p:spPr/>
-        <p:txBody>
-          <a:bodyPr/>
-          <a:lstStyle/>
-          <a:p>
-            <a:r>
-              <a:rPr lang="it-IT" dirty="0"/>
-              <a:t>Si aborem eumque sam</a:t>
-            </a:r>
-            <a:br>
-              <a:rPr lang="it-IT" dirty="0"/>
-            </a:br>
-            <a:r>
-              <a:rPr lang="it-IT" dirty="0"/>
-              <a:t>harchillis abore dolora</a:t>
-            </a:r>
-            <a:endParaRPr lang="fr-FR" dirty="0"/>
-          </a:p>
-        </p:txBody>
-      </p:sp>
-      <p:sp>
-        <p:nvSpPr>
-          <p:cNvPr id="73" name="Espace réservé du texte 72"/>
-          <p:cNvSpPr>
-            <a:spLocks noGrp="1"/>
-          </p:cNvSpPr>
-          <p:nvPr>
-            <p:ph type="body" sz="quarter" idx="29"/>
-          </p:nvPr>
-        </p:nvSpPr>
-        <p:spPr/>
-        <p:txBody>
-          <a:bodyPr/>
-          <a:lstStyle/>
-          <a:p>
-            <a:r>
-              <a:rPr lang="fr-FR" dirty="0" smtClean="0"/>
-              <a:t>9</a:t>
-            </a:r>
-            <a:endParaRPr lang="fr-FR" dirty="0"/>
-          </a:p>
-        </p:txBody>
-      </p:sp>
-      <p:sp>
-        <p:nvSpPr>
-          <p:cNvPr id="74" name="Espace réservé du texte 73"/>
-          <p:cNvSpPr>
-            <a:spLocks noGrp="1"/>
-          </p:cNvSpPr>
-          <p:nvPr>
-            <p:ph type="body" sz="quarter" idx="30"/>
-          </p:nvPr>
-        </p:nvSpPr>
-        <p:spPr/>
-        <p:txBody>
-          <a:bodyPr/>
-          <a:lstStyle/>
-          <a:p>
-            <a:r>
-              <a:rPr lang="fr-FR" dirty="0" err="1"/>
-              <a:t>Idus</a:t>
-            </a:r>
-            <a:r>
-              <a:rPr lang="fr-FR" dirty="0"/>
-              <a:t> non </a:t>
-            </a:r>
-            <a:r>
-              <a:rPr lang="fr-FR" dirty="0" err="1"/>
-              <a:t>core</a:t>
-            </a:r>
-            <a:r>
-              <a:rPr lang="fr-FR" dirty="0"/>
-              <a:t> </a:t>
-            </a:r>
-            <a:r>
-              <a:rPr lang="fr-FR" dirty="0" err="1"/>
-              <a:t>amendunt</a:t>
-            </a:r>
-            <a:r>
-              <a:rPr lang="fr-FR" dirty="0"/>
-              <a:t/>
-            </a:r>
-            <a:br>
-              <a:rPr lang="fr-FR" dirty="0"/>
-            </a:br>
-            <a:r>
-              <a:rPr lang="fr-FR" dirty="0"/>
-              <a:t>es </a:t>
-            </a:r>
-            <a:r>
-              <a:rPr lang="fr-FR" dirty="0" err="1"/>
-              <a:t>explistiam</a:t>
-            </a:r>
-            <a:r>
-              <a:rPr lang="fr-FR" dirty="0"/>
-              <a:t> </a:t>
-            </a:r>
-            <a:r>
-              <a:rPr lang="fr-FR" dirty="0" err="1"/>
-              <a:t>vellabo</a:t>
+              <a:t>Embedded Android Auto</a:t>
             </a:r>
             <a:endParaRPr lang="fr-FR" dirty="0"/>
           </a:p>
@@ -17272,8 +16782,8 @@
           <a:lstStyle/>
           <a:p>
             <a:r>
-              <a:rPr lang="en-US" noProof="0" smtClean="0"/>
-              <a:t>Presentation title</a:t>
+              <a:rPr lang="en-US" noProof="0" dirty="0" smtClean="0"/>
+              <a:t>Android Auto</a:t>
             </a:r>
             <a:endParaRPr lang="en-US" noProof="0" dirty="0"/>
           </a:p>
@@ -17512,8 +17022,8 @@
           <a:lstStyle/>
           <a:p>
             <a:r>
-              <a:rPr lang="en-US" noProof="0" smtClean="0"/>
-              <a:t>Presentation title</a:t>
+              <a:rPr lang="en-US" noProof="0" dirty="0" smtClean="0"/>
+              <a:t>Android Auto</a:t>
             </a:r>
             <a:endParaRPr lang="en-US" noProof="0" dirty="0"/>
           </a:p>
@@ -17642,8 +17152,8 @@
           <a:lstStyle/>
           <a:p>
             <a:r>
-              <a:rPr lang="en-US" noProof="0" smtClean="0"/>
-              <a:t>Presentation title</a:t>
+              <a:rPr lang="en-US" noProof="0" dirty="0" smtClean="0"/>
+              <a:t>Android Auto</a:t>
             </a:r>
             <a:endParaRPr lang="en-US" noProof="0" dirty="0"/>
           </a:p>
@@ -18292,8 +17802,8 @@
           <a:lstStyle/>
           <a:p>
             <a:r>
-              <a:rPr lang="en-US" noProof="0" smtClean="0"/>
-              <a:t>Presentation title</a:t>
+              <a:rPr lang="en-US" noProof="0" dirty="0" smtClean="0"/>
+              <a:t>Android Auto</a:t>
             </a:r>
             <a:endParaRPr lang="en-US" noProof="0" dirty="0"/>
           </a:p>
@@ -18536,8 +18046,8 @@
           <a:lstStyle/>
           <a:p>
             <a:r>
-              <a:rPr lang="en-US" noProof="0" smtClean="0"/>
-              <a:t>Presentation title</a:t>
+              <a:rPr lang="en-US" noProof="0" dirty="0" smtClean="0"/>
+              <a:t>Android Auto</a:t>
             </a:r>
             <a:endParaRPr lang="en-US" noProof="0" dirty="0"/>
           </a:p>
@@ -18879,15 +18389,31 @@
             <a:pPr marL="279450" lvl="3" indent="-171450"/>
             <a:r>
               <a:rPr lang="en-US" dirty="0" smtClean="0"/>
-              <a:t>Notifications such as alerts from email, </a:t>
-            </a:r>
-            <a:r>
-              <a:rPr lang="en-US" dirty="0" err="1" smtClean="0"/>
-              <a:t>facebook</a:t>
+              <a:t>Notifications such as alerts from </a:t>
             </a:r>
             <a:r>
               <a:rPr lang="en-US" dirty="0" smtClean="0"/>
-              <a:t> or twitter, will not show in the notifications log.</a:t>
+              <a:t>Email</a:t>
+            </a:r>
+            <a:r>
+              <a:rPr lang="en-US" dirty="0" smtClean="0"/>
+              <a:t>, </a:t>
+            </a:r>
+            <a:r>
+              <a:rPr lang="en-US" dirty="0" smtClean="0"/>
+              <a:t>Facebook </a:t>
+            </a:r>
+            <a:r>
+              <a:rPr lang="en-US" dirty="0" smtClean="0"/>
+              <a:t>or </a:t>
+            </a:r>
+            <a:r>
+              <a:rPr lang="en-US" dirty="0" smtClean="0"/>
+              <a:t>Twitter</a:t>
+            </a:r>
+            <a:r>
+              <a:rPr lang="en-US" dirty="0" smtClean="0"/>
+              <a:t>, will not show in the notifications log.</a:t>
             </a:r>
             <a:endParaRPr lang="en-US" dirty="0"/>
           </a:p>
@@ -18932,8 +18458,8 @@
           <a:lstStyle/>
           <a:p>
             <a:r>
-              <a:rPr lang="en-US" noProof="0" smtClean="0"/>
-              <a:t>Presentation title</a:t>
+              <a:rPr lang="en-US" noProof="0" dirty="0" smtClean="0"/>
+              <a:t>Android Auto</a:t>
             </a:r>
             <a:endParaRPr lang="en-US" noProof="0" dirty="0"/>
           </a:p>
@@ -19062,8 +18588,8 @@
           <a:lstStyle/>
           <a:p>
             <a:r>
-              <a:rPr lang="en-US" noProof="0" smtClean="0"/>
-              <a:t>Presentation title</a:t>
+              <a:rPr lang="en-US" noProof="0" dirty="0" smtClean="0"/>
+              <a:t>Android Auto</a:t>
             </a:r>
             <a:endParaRPr lang="en-US" noProof="0" dirty="0"/>
           </a:p>
@@ -19314,8 +18840,8 @@
           <a:lstStyle/>
           <a:p>
             <a:r>
-              <a:rPr lang="en-US" noProof="0" smtClean="0"/>
-              <a:t>Presentation title</a:t>
+              <a:rPr lang="en-US" noProof="0" dirty="0" smtClean="0"/>
+              <a:t>Android Auto</a:t>
             </a:r>
             <a:endParaRPr lang="en-US" noProof="0" dirty="0"/>
           </a:p>
@@ -20281,9 +19807,12 @@
 </file>
 
 <file path=customXml/item1.xml><?xml version="1.0" encoding="utf-8"?>
-<p:properties xmlns:p="http://schemas.microsoft.com/office/2006/metadata/properties" xmlns:xsi="http://www.w3.org/2001/XMLSchema-instance" xmlns:pc="http://schemas.microsoft.com/office/infopath/2007/PartnerControls">
-  <documentManagement/>
-</p:properties>
+<?mso-contentType ?>
+<FormTemplates xmlns="http://schemas.microsoft.com/sharepoint/v3/contenttype/forms">
+  <Display>DocumentLibraryForm</Display>
+  <Edit>DocumentLibraryForm</Edit>
+  <New>DocumentLibraryForm</New>
+</FormTemplates>
 </file>
 
 <file path=customXml/item2.xml><?xml version="1.0" encoding="utf-8"?>
@@ -20401,25 +19930,15 @@
 </file>
 
 <file path=customXml/item3.xml><?xml version="1.0" encoding="utf-8"?>
-<?mso-contentType ?>
-<FormTemplates xmlns="http://schemas.microsoft.com/sharepoint/v3/contenttype/forms">
-  <Display>DocumentLibraryForm</Display>
-  <Edit>DocumentLibraryForm</Edit>
-  <New>DocumentLibraryForm</New>
-</FormTemplates>
+<p:properties xmlns:p="http://schemas.microsoft.com/office/2006/metadata/properties" xmlns:xsi="http://www.w3.org/2001/XMLSchema-instance" xmlns:pc="http://schemas.microsoft.com/office/infopath/2007/PartnerControls">
+  <documentManagement/>
+</p:properties>
 </file>
 
 <file path=customXml/itemProps1.xml><?xml version="1.0" encoding="utf-8"?>
-<ds:datastoreItem xmlns:ds="http://schemas.openxmlformats.org/officeDocument/2006/customXml" ds:itemID="{65F64EBE-3065-4A3D-B86E-F21B0406FD66}">
+<ds:datastoreItem xmlns:ds="http://schemas.openxmlformats.org/officeDocument/2006/customXml" ds:itemID="{74695D99-3EAE-4F55-A2B4-F38051B8FE0A}">
   <ds:schemaRefs>
-    <ds:schemaRef ds:uri="http://purl.org/dc/terms/"/>
-    <ds:schemaRef ds:uri="http://www.w3.org/XML/1998/namespace"/>
-    <ds:schemaRef ds:uri="http://purl.org/dc/dcmitype/"/>
-    <ds:schemaRef ds:uri="http://schemas.microsoft.com/office/infopath/2007/PartnerControls"/>
-    <ds:schemaRef ds:uri="http://schemas.microsoft.com/office/2006/documentManagement/types"/>
-    <ds:schemaRef ds:uri="http://schemas.microsoft.com/office/2006/metadata/properties"/>
-    <ds:schemaRef ds:uri="http://schemas.openxmlformats.org/package/2006/metadata/core-properties"/>
-    <ds:schemaRef ds:uri="http://purl.org/dc/elements/1.1/"/>
+    <ds:schemaRef ds:uri="http://schemas.microsoft.com/sharepoint/v3/contenttype/forms"/>
   </ds:schemaRefs>
 </ds:datastoreItem>
 </file>
@@ -20441,9 +19960,16 @@
 </file>
 
 <file path=customXml/itemProps3.xml><?xml version="1.0" encoding="utf-8"?>
-<ds:datastoreItem xmlns:ds="http://schemas.openxmlformats.org/officeDocument/2006/customXml" ds:itemID="{74695D99-3EAE-4F55-A2B4-F38051B8FE0A}">
+<ds:datastoreItem xmlns:ds="http://schemas.openxmlformats.org/officeDocument/2006/customXml" ds:itemID="{65F64EBE-3065-4A3D-B86E-F21B0406FD66}">
   <ds:schemaRefs>
-    <ds:schemaRef ds:uri="http://schemas.microsoft.com/sharepoint/v3/contenttype/forms"/>
+    <ds:schemaRef ds:uri="http://purl.org/dc/terms/"/>
+    <ds:schemaRef ds:uri="http://www.w3.org/XML/1998/namespace"/>
+    <ds:schemaRef ds:uri="http://purl.org/dc/dcmitype/"/>
+    <ds:schemaRef ds:uri="http://schemas.microsoft.com/office/infopath/2007/PartnerControls"/>
+    <ds:schemaRef ds:uri="http://schemas.microsoft.com/office/2006/documentManagement/types"/>
+    <ds:schemaRef ds:uri="http://schemas.microsoft.com/office/2006/metadata/properties"/>
+    <ds:schemaRef ds:uri="http://schemas.openxmlformats.org/package/2006/metadata/core-properties"/>
+    <ds:schemaRef ds:uri="http://purl.org/dc/elements/1.1/"/>
   </ds:schemaRefs>
 </ds:datastoreItem>
 </file>